--- a/Spark RPC学习要点笔记.pptx
+++ b/Spark RPC学习要点笔记.pptx
@@ -5,10 +5,12 @@
     <p:sldMasterId id="2147483648" r:id="rId1"/>
   </p:sldMasterIdLst>
   <p:notesMasterIdLst>
-    <p:notesMasterId r:id="rId3"/>
+    <p:notesMasterId r:id="rId5"/>
   </p:notesMasterIdLst>
   <p:sldIdLst>
     <p:sldId id="256" r:id="rId2"/>
+    <p:sldId id="257" r:id="rId3"/>
+    <p:sldId id="258" r:id="rId4"/>
   </p:sldIdLst>
   <p:sldSz cx="12192000" cy="6858000"/>
   <p:notesSz cx="6858000" cy="9144000"/>
@@ -107,6 +109,11 @@
       </a:defRPr>
     </a:lvl9pPr>
   </p:defaultTextStyle>
+  <p:extLst>
+    <p:ext uri="{EFAFB233-063F-42B5-8137-9DF3F51BA10A}">
+      <p15:sldGuideLst xmlns:p15="http://schemas.microsoft.com/office/powerpoint/2012/main"/>
+    </p:ext>
+  </p:extLst>
 </p:presentation>
 </file>
 
@@ -192,7 +199,7 @@
           <a:p>
             <a:fld id="{0AA457E8-0919-482F-97F6-461CC2B6D8FD}" type="datetimeFigureOut">
               <a:rPr lang="zh-CN" altLang="en-US" smtClean="0"/>
-              <a:t>2017/9/5</a:t>
+              <a:t>2017/11/24</a:t>
             </a:fld>
             <a:endParaRPr lang="zh-CN" altLang="en-US"/>
           </a:p>
@@ -544,6 +551,90 @@
 </p:notes>
 </file>
 
+<file path=ppt/notesSlides/notesSlide2.xml><?xml version="1.0" encoding="utf-8"?>
+<p:notes xmlns:a="http://schemas.openxmlformats.org/drawingml/2006/main" xmlns:r="http://schemas.openxmlformats.org/officeDocument/2006/relationships" xmlns:p="http://schemas.openxmlformats.org/presentationml/2006/main">
+  <p:cSld>
+    <p:spTree>
+      <p:nvGrpSpPr>
+        <p:cNvPr id="1" name=""/>
+        <p:cNvGrpSpPr/>
+        <p:nvPr/>
+      </p:nvGrpSpPr>
+      <p:grpSpPr>
+        <a:xfrm>
+          <a:off x="0" y="0"/>
+          <a:ext cx="0" cy="0"/>
+          <a:chOff x="0" y="0"/>
+          <a:chExt cx="0" cy="0"/>
+        </a:xfrm>
+      </p:grpSpPr>
+      <p:sp>
+        <p:nvSpPr>
+          <p:cNvPr id="2" name="幻灯片图像占位符 1"/>
+          <p:cNvSpPr>
+            <a:spLocks noGrp="1" noRot="1" noChangeAspect="1"/>
+          </p:cNvSpPr>
+          <p:nvPr>
+            <p:ph type="sldImg"/>
+          </p:nvPr>
+        </p:nvSpPr>
+        <p:spPr/>
+      </p:sp>
+      <p:sp>
+        <p:nvSpPr>
+          <p:cNvPr id="3" name="备注占位符 2"/>
+          <p:cNvSpPr>
+            <a:spLocks noGrp="1"/>
+          </p:cNvSpPr>
+          <p:nvPr>
+            <p:ph type="body" idx="1"/>
+          </p:nvPr>
+        </p:nvSpPr>
+        <p:spPr/>
+        <p:txBody>
+          <a:bodyPr/>
+          <a:lstStyle/>
+          <a:p>
+            <a:endParaRPr lang="zh-CN" altLang="en-US"/>
+          </a:p>
+        </p:txBody>
+      </p:sp>
+      <p:sp>
+        <p:nvSpPr>
+          <p:cNvPr id="4" name="灯片编号占位符 3"/>
+          <p:cNvSpPr>
+            <a:spLocks noGrp="1"/>
+          </p:cNvSpPr>
+          <p:nvPr>
+            <p:ph type="sldNum" sz="quarter" idx="10"/>
+          </p:nvPr>
+        </p:nvSpPr>
+        <p:spPr/>
+        <p:txBody>
+          <a:bodyPr/>
+          <a:lstStyle/>
+          <a:p>
+            <a:fld id="{A8730314-D053-4F82-BD56-D4ABBABF2413}" type="slidenum">
+              <a:rPr lang="zh-CN" altLang="en-US" smtClean="0"/>
+              <a:t>3</a:t>
+            </a:fld>
+            <a:endParaRPr lang="zh-CN" altLang="en-US"/>
+          </a:p>
+        </p:txBody>
+      </p:sp>
+    </p:spTree>
+    <p:extLst>
+      <p:ext uri="{BB962C8B-B14F-4D97-AF65-F5344CB8AC3E}">
+        <p14:creationId xmlns:p14="http://schemas.microsoft.com/office/powerpoint/2010/main" val="4194690140"/>
+      </p:ext>
+    </p:extLst>
+  </p:cSld>
+  <p:clrMapOvr>
+    <a:masterClrMapping/>
+  </p:clrMapOvr>
+</p:notes>
+</file>
+
 <file path=ppt/slideLayouts/slideLayout1.xml><?xml version="1.0" encoding="utf-8"?>
 <p:sldLayout xmlns:a="http://schemas.openxmlformats.org/drawingml/2006/main" xmlns:r="http://schemas.openxmlformats.org/officeDocument/2006/relationships" xmlns:p="http://schemas.openxmlformats.org/presentationml/2006/main" type="title" preserve="1">
   <p:cSld name="标题幻灯片">
@@ -675,7 +766,7 @@
           <a:p>
             <a:fld id="{5E962C14-28F7-4F4C-9FCB-544D2D550C08}" type="datetimeFigureOut">
               <a:rPr lang="zh-CN" altLang="en-US" smtClean="0"/>
-              <a:t>2017/9/5</a:t>
+              <a:t>2017/11/24</a:t>
             </a:fld>
             <a:endParaRPr lang="zh-CN" altLang="en-US"/>
           </a:p>
@@ -845,7 +936,7 @@
           <a:p>
             <a:fld id="{5E962C14-28F7-4F4C-9FCB-544D2D550C08}" type="datetimeFigureOut">
               <a:rPr lang="zh-CN" altLang="en-US" smtClean="0"/>
-              <a:t>2017/9/5</a:t>
+              <a:t>2017/11/24</a:t>
             </a:fld>
             <a:endParaRPr lang="zh-CN" altLang="en-US"/>
           </a:p>
@@ -1025,7 +1116,7 @@
           <a:p>
             <a:fld id="{5E962C14-28F7-4F4C-9FCB-544D2D550C08}" type="datetimeFigureOut">
               <a:rPr lang="zh-CN" altLang="en-US" smtClean="0"/>
-              <a:t>2017/9/5</a:t>
+              <a:t>2017/11/24</a:t>
             </a:fld>
             <a:endParaRPr lang="zh-CN" altLang="en-US"/>
           </a:p>
@@ -1195,7 +1286,7 @@
           <a:p>
             <a:fld id="{5E962C14-28F7-4F4C-9FCB-544D2D550C08}" type="datetimeFigureOut">
               <a:rPr lang="zh-CN" altLang="en-US" smtClean="0"/>
-              <a:t>2017/9/5</a:t>
+              <a:t>2017/11/24</a:t>
             </a:fld>
             <a:endParaRPr lang="zh-CN" altLang="en-US"/>
           </a:p>
@@ -1441,7 +1532,7 @@
           <a:p>
             <a:fld id="{5E962C14-28F7-4F4C-9FCB-544D2D550C08}" type="datetimeFigureOut">
               <a:rPr lang="zh-CN" altLang="en-US" smtClean="0"/>
-              <a:t>2017/9/5</a:t>
+              <a:t>2017/11/24</a:t>
             </a:fld>
             <a:endParaRPr lang="zh-CN" altLang="en-US"/>
           </a:p>
@@ -1673,7 +1764,7 @@
           <a:p>
             <a:fld id="{5E962C14-28F7-4F4C-9FCB-544D2D550C08}" type="datetimeFigureOut">
               <a:rPr lang="zh-CN" altLang="en-US" smtClean="0"/>
-              <a:t>2017/9/5</a:t>
+              <a:t>2017/11/24</a:t>
             </a:fld>
             <a:endParaRPr lang="zh-CN" altLang="en-US"/>
           </a:p>
@@ -2040,7 +2131,7 @@
           <a:p>
             <a:fld id="{5E962C14-28F7-4F4C-9FCB-544D2D550C08}" type="datetimeFigureOut">
               <a:rPr lang="zh-CN" altLang="en-US" smtClean="0"/>
-              <a:t>2017/9/5</a:t>
+              <a:t>2017/11/24</a:t>
             </a:fld>
             <a:endParaRPr lang="zh-CN" altLang="en-US"/>
           </a:p>
@@ -2158,7 +2249,7 @@
           <a:p>
             <a:fld id="{5E962C14-28F7-4F4C-9FCB-544D2D550C08}" type="datetimeFigureOut">
               <a:rPr lang="zh-CN" altLang="en-US" smtClean="0"/>
-              <a:t>2017/9/5</a:t>
+              <a:t>2017/11/24</a:t>
             </a:fld>
             <a:endParaRPr lang="zh-CN" altLang="en-US"/>
           </a:p>
@@ -2253,7 +2344,7 @@
           <a:p>
             <a:fld id="{5E962C14-28F7-4F4C-9FCB-544D2D550C08}" type="datetimeFigureOut">
               <a:rPr lang="zh-CN" altLang="en-US" smtClean="0"/>
-              <a:t>2017/9/5</a:t>
+              <a:t>2017/11/24</a:t>
             </a:fld>
             <a:endParaRPr lang="zh-CN" altLang="en-US"/>
           </a:p>
@@ -2530,7 +2621,7 @@
           <a:p>
             <a:fld id="{5E962C14-28F7-4F4C-9FCB-544D2D550C08}" type="datetimeFigureOut">
               <a:rPr lang="zh-CN" altLang="en-US" smtClean="0"/>
-              <a:t>2017/9/5</a:t>
+              <a:t>2017/11/24</a:t>
             </a:fld>
             <a:endParaRPr lang="zh-CN" altLang="en-US"/>
           </a:p>
@@ -2783,7 +2874,7 @@
           <a:p>
             <a:fld id="{5E962C14-28F7-4F4C-9FCB-544D2D550C08}" type="datetimeFigureOut">
               <a:rPr lang="zh-CN" altLang="en-US" smtClean="0"/>
-              <a:t>2017/9/5</a:t>
+              <a:t>2017/11/24</a:t>
             </a:fld>
             <a:endParaRPr lang="zh-CN" altLang="en-US"/>
           </a:p>
@@ -2996,7 +3087,7 @@
           <a:p>
             <a:fld id="{5E962C14-28F7-4F4C-9FCB-544D2D550C08}" type="datetimeFigureOut">
               <a:rPr lang="zh-CN" altLang="en-US" smtClean="0"/>
-              <a:t>2017/9/5</a:t>
+              <a:t>2017/11/24</a:t>
             </a:fld>
             <a:endParaRPr lang="zh-CN" altLang="en-US"/>
           </a:p>
@@ -3535,7 +3626,6 @@
               <a:rPr lang="zh-CN" altLang="en-US" smtClean="0"/>
               <a:t>对象。</a:t>
             </a:r>
-            <a:endParaRPr lang="zh-CN" altLang="en-US" smtClean="0"/>
           </a:p>
           <a:p>
             <a:endParaRPr lang="en-US" altLang="zh-CN"/>
@@ -3632,6 +3722,617 @@
     <p:extLst>
       <p:ext uri="{BB962C8B-B14F-4D97-AF65-F5344CB8AC3E}">
         <p14:creationId xmlns:p14="http://schemas.microsoft.com/office/powerpoint/2010/main" val="4041227181"/>
+      </p:ext>
+    </p:extLst>
+  </p:cSld>
+  <p:clrMapOvr>
+    <a:masterClrMapping/>
+  </p:clrMapOvr>
+  <p:timing>
+    <p:tnLst>
+      <p:par>
+        <p:cTn id="1" dur="indefinite" restart="never" nodeType="tmRoot"/>
+      </p:par>
+    </p:tnLst>
+  </p:timing>
+</p:sld>
+</file>
+
+<file path=ppt/slides/slide2.xml><?xml version="1.0" encoding="utf-8"?>
+<p:sld xmlns:a="http://schemas.openxmlformats.org/drawingml/2006/main" xmlns:r="http://schemas.openxmlformats.org/officeDocument/2006/relationships" xmlns:p="http://schemas.openxmlformats.org/presentationml/2006/main">
+  <p:cSld>
+    <p:spTree>
+      <p:nvGrpSpPr>
+        <p:cNvPr id="1" name=""/>
+        <p:cNvGrpSpPr/>
+        <p:nvPr/>
+      </p:nvGrpSpPr>
+      <p:grpSpPr>
+        <a:xfrm>
+          <a:off x="0" y="0"/>
+          <a:ext cx="0" cy="0"/>
+          <a:chOff x="0" y="0"/>
+          <a:chExt cx="0" cy="0"/>
+        </a:xfrm>
+      </p:grpSpPr>
+      <p:pic>
+        <p:nvPicPr>
+          <p:cNvPr id="4" name="图片 3"/>
+          <p:cNvPicPr>
+            <a:picLocks noChangeAspect="1"/>
+          </p:cNvPicPr>
+          <p:nvPr/>
+        </p:nvPicPr>
+        <p:blipFill>
+          <a:blip r:embed="rId2"/>
+          <a:stretch>
+            <a:fillRect/>
+          </a:stretch>
+        </p:blipFill>
+        <p:spPr>
+          <a:xfrm>
+            <a:off x="375301" y="87566"/>
+            <a:ext cx="10714286" cy="3752381"/>
+          </a:xfrm>
+          <a:prstGeom prst="rect">
+            <a:avLst/>
+          </a:prstGeom>
+        </p:spPr>
+      </p:pic>
+      <p:pic>
+        <p:nvPicPr>
+          <p:cNvPr id="5" name="图片 4"/>
+          <p:cNvPicPr>
+            <a:picLocks noChangeAspect="1"/>
+          </p:cNvPicPr>
+          <p:nvPr/>
+        </p:nvPicPr>
+        <p:blipFill>
+          <a:blip r:embed="rId3"/>
+          <a:stretch>
+            <a:fillRect/>
+          </a:stretch>
+        </p:blipFill>
+        <p:spPr>
+          <a:xfrm>
+            <a:off x="280063" y="3132904"/>
+            <a:ext cx="10809524" cy="3390476"/>
+          </a:xfrm>
+          <a:prstGeom prst="rect">
+            <a:avLst/>
+          </a:prstGeom>
+        </p:spPr>
+      </p:pic>
+      <p:sp>
+        <p:nvSpPr>
+          <p:cNvPr id="6" name="文本框 5"/>
+          <p:cNvSpPr txBox="1"/>
+          <p:nvPr/>
+        </p:nvSpPr>
+        <p:spPr>
+          <a:xfrm>
+            <a:off x="5938091" y="3839947"/>
+            <a:ext cx="4197559" cy="369332"/>
+          </a:xfrm>
+          <a:prstGeom prst="rect">
+            <a:avLst/>
+          </a:prstGeom>
+          <a:noFill/>
+        </p:spPr>
+        <p:txBody>
+          <a:bodyPr wrap="none" rtlCol="0">
+            <a:spAutoFit/>
+          </a:bodyPr>
+          <a:lstStyle/>
+          <a:p>
+            <a:r>
+              <a:rPr lang="zh-CN" altLang="en-US" smtClean="0">
+                <a:solidFill>
+                  <a:srgbClr val="FF0000"/>
+                </a:solidFill>
+              </a:rPr>
+              <a:t>这个是检索</a:t>
+            </a:r>
+            <a:r>
+              <a:rPr lang="en-US" altLang="zh-CN" smtClean="0">
+                <a:solidFill>
+                  <a:srgbClr val="FF0000"/>
+                </a:solidFill>
+              </a:rPr>
+              <a:t>endpoint</a:t>
+            </a:r>
+            <a:r>
+              <a:rPr lang="zh-CN" altLang="en-US" smtClean="0">
+                <a:solidFill>
+                  <a:srgbClr val="FF0000"/>
+                </a:solidFill>
+              </a:rPr>
+              <a:t>，不是创建</a:t>
+            </a:r>
+            <a:r>
+              <a:rPr lang="en-US" altLang="zh-CN" smtClean="0">
+                <a:solidFill>
+                  <a:srgbClr val="FF0000"/>
+                </a:solidFill>
+              </a:rPr>
+              <a:t>endpoint</a:t>
+            </a:r>
+            <a:endParaRPr lang="zh-CN" altLang="en-US">
+              <a:solidFill>
+                <a:srgbClr val="FF0000"/>
+              </a:solidFill>
+            </a:endParaRPr>
+          </a:p>
+        </p:txBody>
+      </p:sp>
+    </p:spTree>
+    <p:extLst>
+      <p:ext uri="{BB962C8B-B14F-4D97-AF65-F5344CB8AC3E}">
+        <p14:creationId xmlns:p14="http://schemas.microsoft.com/office/powerpoint/2010/main" val="3791578004"/>
+      </p:ext>
+    </p:extLst>
+  </p:cSld>
+  <p:clrMapOvr>
+    <a:masterClrMapping/>
+  </p:clrMapOvr>
+  <p:timing>
+    <p:tnLst>
+      <p:par>
+        <p:cTn id="1" dur="indefinite" restart="never" nodeType="tmRoot"/>
+      </p:par>
+    </p:tnLst>
+  </p:timing>
+</p:sld>
+</file>
+
+<file path=ppt/slides/slide3.xml><?xml version="1.0" encoding="utf-8"?>
+<p:sld xmlns:a="http://schemas.openxmlformats.org/drawingml/2006/main" xmlns:r="http://schemas.openxmlformats.org/officeDocument/2006/relationships" xmlns:p="http://schemas.openxmlformats.org/presentationml/2006/main">
+  <p:cSld>
+    <p:spTree>
+      <p:nvGrpSpPr>
+        <p:cNvPr id="1" name=""/>
+        <p:cNvGrpSpPr/>
+        <p:nvPr/>
+      </p:nvGrpSpPr>
+      <p:grpSpPr>
+        <a:xfrm>
+          <a:off x="0" y="0"/>
+          <a:ext cx="0" cy="0"/>
+          <a:chOff x="0" y="0"/>
+          <a:chExt cx="0" cy="0"/>
+        </a:xfrm>
+      </p:grpSpPr>
+      <p:sp>
+        <p:nvSpPr>
+          <p:cNvPr id="4" name="文本框 3"/>
+          <p:cNvSpPr txBox="1"/>
+          <p:nvPr/>
+        </p:nvSpPr>
+        <p:spPr>
+          <a:xfrm>
+            <a:off x="2656114" y="635724"/>
+            <a:ext cx="7139070" cy="369332"/>
+          </a:xfrm>
+          <a:prstGeom prst="rect">
+            <a:avLst/>
+          </a:prstGeom>
+          <a:noFill/>
+        </p:spPr>
+        <p:txBody>
+          <a:bodyPr wrap="none" rtlCol="0">
+            <a:spAutoFit/>
+          </a:bodyPr>
+          <a:lstStyle/>
+          <a:p>
+            <a:r>
+              <a:rPr lang="en-US" altLang="zh-CN"/>
+              <a:t>org.apache.spark.network.server.TransportChannelHandler#channelActive</a:t>
+            </a:r>
+            <a:endParaRPr lang="zh-CN" altLang="en-US"/>
+          </a:p>
+        </p:txBody>
+      </p:sp>
+      <p:sp>
+        <p:nvSpPr>
+          <p:cNvPr id="5" name="文本框 4"/>
+          <p:cNvSpPr txBox="1"/>
+          <p:nvPr/>
+        </p:nvSpPr>
+        <p:spPr>
+          <a:xfrm>
+            <a:off x="2664321" y="1314994"/>
+            <a:ext cx="7130863" cy="369332"/>
+          </a:xfrm>
+          <a:prstGeom prst="rect">
+            <a:avLst/>
+          </a:prstGeom>
+          <a:noFill/>
+        </p:spPr>
+        <p:txBody>
+          <a:bodyPr wrap="none" rtlCol="0">
+            <a:spAutoFit/>
+          </a:bodyPr>
+          <a:lstStyle/>
+          <a:p>
+            <a:r>
+              <a:rPr lang="en-US" altLang="zh-CN"/>
+              <a:t>org.apache.spark.network.server.TransportRequestHandler#channelActive</a:t>
+            </a:r>
+            <a:endParaRPr lang="zh-CN" altLang="en-US"/>
+          </a:p>
+        </p:txBody>
+      </p:sp>
+      <p:sp>
+        <p:nvSpPr>
+          <p:cNvPr id="6" name="矩形 5"/>
+          <p:cNvSpPr/>
+          <p:nvPr/>
+        </p:nvSpPr>
+        <p:spPr>
+          <a:xfrm>
+            <a:off x="2964968" y="1920628"/>
+            <a:ext cx="6140142" cy="369332"/>
+          </a:xfrm>
+          <a:prstGeom prst="rect">
+            <a:avLst/>
+          </a:prstGeom>
+        </p:spPr>
+        <p:txBody>
+          <a:bodyPr wrap="none">
+            <a:spAutoFit/>
+          </a:bodyPr>
+          <a:lstStyle/>
+          <a:p>
+            <a:r>
+              <a:rPr lang="zh-CN" altLang="en-US"/>
+              <a:t>net.neoremind.kraps.rpc.netty.NettyRpcHandler#channelActive</a:t>
+            </a:r>
+          </a:p>
+        </p:txBody>
+      </p:sp>
+      <p:sp>
+        <p:nvSpPr>
+          <p:cNvPr id="7" name="矩形 6"/>
+          <p:cNvSpPr/>
+          <p:nvPr/>
+        </p:nvSpPr>
+        <p:spPr>
+          <a:xfrm>
+            <a:off x="3488681" y="2599898"/>
+            <a:ext cx="5075300" cy="369332"/>
+          </a:xfrm>
+          <a:prstGeom prst="rect">
+            <a:avLst/>
+          </a:prstGeom>
+        </p:spPr>
+        <p:txBody>
+          <a:bodyPr wrap="none">
+            <a:spAutoFit/>
+          </a:bodyPr>
+          <a:lstStyle/>
+          <a:p>
+            <a:r>
+              <a:rPr lang="zh-CN" altLang="en-US" smtClean="0"/>
+              <a:t>net.neoremind.kraps.rpc.netty.Dispatcher#postToAll</a:t>
+            </a:r>
+            <a:endParaRPr lang="zh-CN" altLang="en-US"/>
+          </a:p>
+        </p:txBody>
+      </p:sp>
+      <p:sp>
+        <p:nvSpPr>
+          <p:cNvPr id="8" name="矩形 7"/>
+          <p:cNvSpPr/>
+          <p:nvPr/>
+        </p:nvSpPr>
+        <p:spPr>
+          <a:xfrm>
+            <a:off x="2242284" y="3205532"/>
+            <a:ext cx="7987315" cy="369332"/>
+          </a:xfrm>
+          <a:prstGeom prst="rect">
+            <a:avLst/>
+          </a:prstGeom>
+        </p:spPr>
+        <p:txBody>
+          <a:bodyPr wrap="none">
+            <a:spAutoFit/>
+          </a:bodyPr>
+          <a:lstStyle/>
+          <a:p>
+            <a:r>
+              <a:rPr lang="zh-CN" altLang="en-US"/>
+              <a:t>net.neoremind.kraps.rpc.netty.Dispatcher</a:t>
+            </a:r>
+            <a:r>
+              <a:rPr lang="zh-CN" altLang="en-US"/>
+              <a:t>#</a:t>
+            </a:r>
+            <a:r>
+              <a:rPr lang="zh-CN" altLang="en-US" smtClean="0"/>
+              <a:t>postMessage，消息最终存储到信箱中</a:t>
+            </a:r>
+            <a:endParaRPr lang="zh-CN" altLang="en-US"/>
+          </a:p>
+        </p:txBody>
+      </p:sp>
+      <p:sp>
+        <p:nvSpPr>
+          <p:cNvPr id="9" name="文本框 8"/>
+          <p:cNvSpPr txBox="1"/>
+          <p:nvPr/>
+        </p:nvSpPr>
+        <p:spPr>
+          <a:xfrm>
+            <a:off x="2242284" y="3825395"/>
+            <a:ext cx="8018285" cy="369332"/>
+          </a:xfrm>
+          <a:prstGeom prst="rect">
+            <a:avLst/>
+          </a:prstGeom>
+          <a:noFill/>
+        </p:spPr>
+        <p:txBody>
+          <a:bodyPr wrap="none" rtlCol="0">
+            <a:spAutoFit/>
+          </a:bodyPr>
+          <a:lstStyle/>
+          <a:p>
+            <a:r>
+              <a:rPr lang="zh-CN" altLang="en-US" smtClean="0"/>
+              <a:t>存储到</a:t>
+            </a:r>
+            <a:r>
+              <a:rPr lang="en-US" altLang="zh-CN" smtClean="0"/>
+              <a:t>Inbox</a:t>
+            </a:r>
+            <a:r>
+              <a:rPr lang="zh-CN" altLang="en-US" smtClean="0"/>
+              <a:t>中，然后</a:t>
+            </a:r>
+            <a:r>
+              <a:rPr lang="en-US" altLang="zh-CN" smtClean="0"/>
+              <a:t>net.neoremind.kraps.rpc.netty.Dispatcher.MessageLoop</a:t>
+            </a:r>
+            <a:r>
+              <a:rPr lang="zh-CN" altLang="en-US" smtClean="0"/>
+              <a:t>处理</a:t>
+            </a:r>
+            <a:endParaRPr lang="zh-CN" altLang="en-US"/>
+          </a:p>
+        </p:txBody>
+      </p:sp>
+      <p:sp>
+        <p:nvSpPr>
+          <p:cNvPr id="10" name="下箭头 9"/>
+          <p:cNvSpPr/>
+          <p:nvPr/>
+        </p:nvSpPr>
+        <p:spPr>
+          <a:xfrm>
+            <a:off x="627017" y="222846"/>
+            <a:ext cx="836023" cy="5860869"/>
+          </a:xfrm>
+          <a:prstGeom prst="downArrow">
+            <a:avLst/>
+          </a:prstGeom>
+        </p:spPr>
+        <p:style>
+          <a:lnRef idx="2">
+            <a:schemeClr val="accent1">
+              <a:shade val="50000"/>
+            </a:schemeClr>
+          </a:lnRef>
+          <a:fillRef idx="1">
+            <a:schemeClr val="accent1"/>
+          </a:fillRef>
+          <a:effectRef idx="0">
+            <a:schemeClr val="accent1"/>
+          </a:effectRef>
+          <a:fontRef idx="minor">
+            <a:schemeClr val="lt1"/>
+          </a:fontRef>
+        </p:style>
+        <p:txBody>
+          <a:bodyPr rtlCol="0" anchor="ctr"/>
+          <a:lstStyle/>
+          <a:p>
+            <a:pPr algn="ctr"/>
+            <a:endParaRPr lang="zh-CN" altLang="en-US"/>
+          </a:p>
+        </p:txBody>
+      </p:sp>
+      <p:sp>
+        <p:nvSpPr>
+          <p:cNvPr id="11" name="文本框 10"/>
+          <p:cNvSpPr txBox="1"/>
+          <p:nvPr/>
+        </p:nvSpPr>
+        <p:spPr>
+          <a:xfrm>
+            <a:off x="2172296" y="5568960"/>
+            <a:ext cx="8813576" cy="1200329"/>
+          </a:xfrm>
+          <a:prstGeom prst="rect">
+            <a:avLst/>
+          </a:prstGeom>
+          <a:noFill/>
+        </p:spPr>
+        <p:txBody>
+          <a:bodyPr wrap="square" rtlCol="0">
+            <a:spAutoFit/>
+          </a:bodyPr>
+          <a:lstStyle/>
+          <a:p>
+            <a:r>
+              <a:rPr lang="en-US" altLang="zh-CN" smtClean="0"/>
+              <a:t>EndpointData(val </a:t>
+            </a:r>
+            <a:r>
+              <a:rPr lang="en-US" altLang="zh-CN"/>
+              <a:t>name</a:t>
+            </a:r>
+            <a:r>
+              <a:rPr lang="en-US" altLang="zh-CN"/>
+              <a:t>: </a:t>
+            </a:r>
+            <a:r>
+              <a:rPr lang="en-US" altLang="zh-CN" smtClean="0"/>
+              <a:t>String,val </a:t>
+            </a:r>
+            <a:r>
+              <a:rPr lang="en-US" altLang="zh-CN"/>
+              <a:t>endpoint</a:t>
+            </a:r>
+            <a:r>
+              <a:rPr lang="en-US" altLang="zh-CN"/>
+              <a:t>: </a:t>
+            </a:r>
+            <a:r>
+              <a:rPr lang="en-US" altLang="zh-CN" smtClean="0"/>
+              <a:t>RpcEndpoint,val </a:t>
+            </a:r>
+            <a:r>
+              <a:rPr lang="en-US" altLang="zh-CN"/>
+              <a:t>ref: </a:t>
+            </a:r>
+            <a:r>
+              <a:rPr lang="en-US" altLang="zh-CN"/>
+              <a:t>NettyRpcEndpointRef</a:t>
+            </a:r>
+            <a:r>
+              <a:rPr lang="en-US" altLang="zh-CN" smtClean="0"/>
+              <a:t>)</a:t>
+            </a:r>
+          </a:p>
+          <a:p>
+            <a:r>
+              <a:rPr lang="en-US" altLang="zh-CN" smtClean="0"/>
+              <a:t>     {  // name </a:t>
+            </a:r>
+            <a:r>
+              <a:rPr lang="zh-CN" altLang="en-US" smtClean="0"/>
+              <a:t>服务名字</a:t>
+            </a:r>
+            <a:endParaRPr lang="en-US" altLang="zh-CN" smtClean="0"/>
+          </a:p>
+          <a:p>
+            <a:r>
+              <a:rPr lang="en-US" altLang="zh-CN"/>
+              <a:t> </a:t>
+            </a:r>
+            <a:r>
+              <a:rPr lang="en-US" altLang="zh-CN" smtClean="0"/>
+              <a:t>         val </a:t>
+            </a:r>
+            <a:r>
+              <a:rPr lang="en-US" altLang="zh-CN"/>
+              <a:t>inbox = new Inbox(ref, </a:t>
+            </a:r>
+            <a:r>
+              <a:rPr lang="en-US" altLang="zh-CN"/>
+              <a:t>endpoint</a:t>
+            </a:r>
+            <a:r>
+              <a:rPr lang="en-US" altLang="zh-CN" smtClean="0"/>
+              <a:t>)</a:t>
+            </a:r>
+          </a:p>
+          <a:p>
+            <a:r>
+              <a:rPr lang="en-US" altLang="zh-CN"/>
+              <a:t> </a:t>
+            </a:r>
+            <a:r>
+              <a:rPr lang="en-US" altLang="zh-CN" smtClean="0"/>
+              <a:t>   }</a:t>
+            </a:r>
+            <a:endParaRPr lang="zh-CN" altLang="en-US"/>
+          </a:p>
+        </p:txBody>
+      </p:sp>
+      <p:sp>
+        <p:nvSpPr>
+          <p:cNvPr id="12" name="矩形 11"/>
+          <p:cNvSpPr/>
+          <p:nvPr/>
+        </p:nvSpPr>
+        <p:spPr>
+          <a:xfrm>
+            <a:off x="2172296" y="5096070"/>
+            <a:ext cx="8874855" cy="369332"/>
+          </a:xfrm>
+          <a:prstGeom prst="rect">
+            <a:avLst/>
+          </a:prstGeom>
+        </p:spPr>
+        <p:txBody>
+          <a:bodyPr wrap="square">
+            <a:spAutoFit/>
+          </a:bodyPr>
+          <a:lstStyle/>
+          <a:p>
+            <a:r>
+              <a:rPr lang="zh-CN" altLang="en-US"/>
+              <a:t>Inbox</a:t>
+            </a:r>
+            <a:r>
+              <a:rPr lang="zh-CN" altLang="en-US" smtClean="0"/>
+              <a:t>(val </a:t>
+            </a:r>
+            <a:r>
+              <a:rPr lang="zh-CN" altLang="en-US"/>
+              <a:t>endpointRef: </a:t>
+            </a:r>
+            <a:r>
+              <a:rPr lang="zh-CN" altLang="en-US"/>
+              <a:t>NettyRpcEndpointRef</a:t>
+            </a:r>
+            <a:r>
+              <a:rPr lang="zh-CN" altLang="en-US" smtClean="0"/>
+              <a:t>,val </a:t>
+            </a:r>
+            <a:r>
+              <a:rPr lang="zh-CN" altLang="en-US"/>
+              <a:t>endpoint: RpcEndpoint)</a:t>
+            </a:r>
+          </a:p>
+        </p:txBody>
+      </p:sp>
+      <p:sp>
+        <p:nvSpPr>
+          <p:cNvPr id="13" name="文本框 12"/>
+          <p:cNvSpPr txBox="1"/>
+          <p:nvPr/>
+        </p:nvSpPr>
+        <p:spPr>
+          <a:xfrm>
+            <a:off x="1736458" y="4768257"/>
+            <a:ext cx="1338828" cy="369332"/>
+          </a:xfrm>
+          <a:prstGeom prst="rect">
+            <a:avLst/>
+          </a:prstGeom>
+          <a:noFill/>
+        </p:spPr>
+        <p:txBody>
+          <a:bodyPr wrap="none" rtlCol="0">
+            <a:spAutoFit/>
+          </a:bodyPr>
+          <a:lstStyle/>
+          <a:p>
+            <a:r>
+              <a:rPr lang="zh-CN" altLang="en-US" smtClean="0"/>
+              <a:t>数据结构：</a:t>
+            </a:r>
+            <a:endParaRPr lang="zh-CN" altLang="en-US"/>
+          </a:p>
+        </p:txBody>
+      </p:sp>
+    </p:spTree>
+    <p:extLst>
+      <p:ext uri="{BB962C8B-B14F-4D97-AF65-F5344CB8AC3E}">
+        <p14:creationId xmlns:p14="http://schemas.microsoft.com/office/powerpoint/2010/main" val="195245178"/>
       </p:ext>
     </p:extLst>
   </p:cSld>

--- a/Spark RPC学习要点笔记.pptx
+++ b/Spark RPC学习要点笔记.pptx
@@ -5,12 +5,13 @@
     <p:sldMasterId id="2147483648" r:id="rId1"/>
   </p:sldMasterIdLst>
   <p:notesMasterIdLst>
-    <p:notesMasterId r:id="rId5"/>
+    <p:notesMasterId r:id="rId6"/>
   </p:notesMasterIdLst>
   <p:sldIdLst>
     <p:sldId id="256" r:id="rId2"/>
     <p:sldId id="257" r:id="rId3"/>
     <p:sldId id="258" r:id="rId4"/>
+    <p:sldId id="259" r:id="rId5"/>
   </p:sldIdLst>
   <p:sldSz cx="12192000" cy="6858000"/>
   <p:notesSz cx="6858000" cy="9144000"/>
@@ -199,7 +200,7 @@
           <a:p>
             <a:fld id="{0AA457E8-0919-482F-97F6-461CC2B6D8FD}" type="datetimeFigureOut">
               <a:rPr lang="zh-CN" altLang="en-US" smtClean="0"/>
-              <a:t>2017/11/24</a:t>
+              <a:t>2017/11/25</a:t>
             </a:fld>
             <a:endParaRPr lang="zh-CN" altLang="en-US"/>
           </a:p>
@@ -766,7 +767,7 @@
           <a:p>
             <a:fld id="{5E962C14-28F7-4F4C-9FCB-544D2D550C08}" type="datetimeFigureOut">
               <a:rPr lang="zh-CN" altLang="en-US" smtClean="0"/>
-              <a:t>2017/11/24</a:t>
+              <a:t>2017/11/25</a:t>
             </a:fld>
             <a:endParaRPr lang="zh-CN" altLang="en-US"/>
           </a:p>
@@ -936,7 +937,7 @@
           <a:p>
             <a:fld id="{5E962C14-28F7-4F4C-9FCB-544D2D550C08}" type="datetimeFigureOut">
               <a:rPr lang="zh-CN" altLang="en-US" smtClean="0"/>
-              <a:t>2017/11/24</a:t>
+              <a:t>2017/11/25</a:t>
             </a:fld>
             <a:endParaRPr lang="zh-CN" altLang="en-US"/>
           </a:p>
@@ -1116,7 +1117,7 @@
           <a:p>
             <a:fld id="{5E962C14-28F7-4F4C-9FCB-544D2D550C08}" type="datetimeFigureOut">
               <a:rPr lang="zh-CN" altLang="en-US" smtClean="0"/>
-              <a:t>2017/11/24</a:t>
+              <a:t>2017/11/25</a:t>
             </a:fld>
             <a:endParaRPr lang="zh-CN" altLang="en-US"/>
           </a:p>
@@ -1286,7 +1287,7 @@
           <a:p>
             <a:fld id="{5E962C14-28F7-4F4C-9FCB-544D2D550C08}" type="datetimeFigureOut">
               <a:rPr lang="zh-CN" altLang="en-US" smtClean="0"/>
-              <a:t>2017/11/24</a:t>
+              <a:t>2017/11/25</a:t>
             </a:fld>
             <a:endParaRPr lang="zh-CN" altLang="en-US"/>
           </a:p>
@@ -1532,7 +1533,7 @@
           <a:p>
             <a:fld id="{5E962C14-28F7-4F4C-9FCB-544D2D550C08}" type="datetimeFigureOut">
               <a:rPr lang="zh-CN" altLang="en-US" smtClean="0"/>
-              <a:t>2017/11/24</a:t>
+              <a:t>2017/11/25</a:t>
             </a:fld>
             <a:endParaRPr lang="zh-CN" altLang="en-US"/>
           </a:p>
@@ -1764,7 +1765,7 @@
           <a:p>
             <a:fld id="{5E962C14-28F7-4F4C-9FCB-544D2D550C08}" type="datetimeFigureOut">
               <a:rPr lang="zh-CN" altLang="en-US" smtClean="0"/>
-              <a:t>2017/11/24</a:t>
+              <a:t>2017/11/25</a:t>
             </a:fld>
             <a:endParaRPr lang="zh-CN" altLang="en-US"/>
           </a:p>
@@ -2131,7 +2132,7 @@
           <a:p>
             <a:fld id="{5E962C14-28F7-4F4C-9FCB-544D2D550C08}" type="datetimeFigureOut">
               <a:rPr lang="zh-CN" altLang="en-US" smtClean="0"/>
-              <a:t>2017/11/24</a:t>
+              <a:t>2017/11/25</a:t>
             </a:fld>
             <a:endParaRPr lang="zh-CN" altLang="en-US"/>
           </a:p>
@@ -2249,7 +2250,7 @@
           <a:p>
             <a:fld id="{5E962C14-28F7-4F4C-9FCB-544D2D550C08}" type="datetimeFigureOut">
               <a:rPr lang="zh-CN" altLang="en-US" smtClean="0"/>
-              <a:t>2017/11/24</a:t>
+              <a:t>2017/11/25</a:t>
             </a:fld>
             <a:endParaRPr lang="zh-CN" altLang="en-US"/>
           </a:p>
@@ -2344,7 +2345,7 @@
           <a:p>
             <a:fld id="{5E962C14-28F7-4F4C-9FCB-544D2D550C08}" type="datetimeFigureOut">
               <a:rPr lang="zh-CN" altLang="en-US" smtClean="0"/>
-              <a:t>2017/11/24</a:t>
+              <a:t>2017/11/25</a:t>
             </a:fld>
             <a:endParaRPr lang="zh-CN" altLang="en-US"/>
           </a:p>
@@ -2621,7 +2622,7 @@
           <a:p>
             <a:fld id="{5E962C14-28F7-4F4C-9FCB-544D2D550C08}" type="datetimeFigureOut">
               <a:rPr lang="zh-CN" altLang="en-US" smtClean="0"/>
-              <a:t>2017/11/24</a:t>
+              <a:t>2017/11/25</a:t>
             </a:fld>
             <a:endParaRPr lang="zh-CN" altLang="en-US"/>
           </a:p>
@@ -2874,7 +2875,7 @@
           <a:p>
             <a:fld id="{5E962C14-28F7-4F4C-9FCB-544D2D550C08}" type="datetimeFigureOut">
               <a:rPr lang="zh-CN" altLang="en-US" smtClean="0"/>
-              <a:t>2017/11/24</a:t>
+              <a:t>2017/11/25</a:t>
             </a:fld>
             <a:endParaRPr lang="zh-CN" altLang="en-US"/>
           </a:p>
@@ -3087,7 +3088,7 @@
           <a:p>
             <a:fld id="{5E962C14-28F7-4F4C-9FCB-544D2D550C08}" type="datetimeFigureOut">
               <a:rPr lang="zh-CN" altLang="en-US" smtClean="0"/>
-              <a:t>2017/11/24</a:t>
+              <a:t>2017/11/25</a:t>
             </a:fld>
             <a:endParaRPr lang="zh-CN" altLang="en-US"/>
           </a:p>
@@ -4042,11 +4043,7 @@
           <a:p>
             <a:r>
               <a:rPr lang="zh-CN" altLang="en-US"/>
-              <a:t>net.neoremind.kraps.rpc.netty.Dispatcher</a:t>
-            </a:r>
-            <a:r>
-              <a:rPr lang="zh-CN" altLang="en-US"/>
-              <a:t>#</a:t>
+              <a:t>net.neoremind.kraps.rpc.netty.Dispatcher#</a:t>
             </a:r>
             <a:r>
               <a:rPr lang="zh-CN" altLang="en-US" smtClean="0"/>
@@ -4170,11 +4167,7 @@
             </a:r>
             <a:r>
               <a:rPr lang="en-US" altLang="zh-CN"/>
-              <a:t>name</a:t>
-            </a:r>
-            <a:r>
-              <a:rPr lang="en-US" altLang="zh-CN"/>
-              <a:t>: </a:t>
+              <a:t>name: </a:t>
             </a:r>
             <a:r>
               <a:rPr lang="en-US" altLang="zh-CN" smtClean="0"/>
@@ -4182,11 +4175,7 @@
             </a:r>
             <a:r>
               <a:rPr lang="en-US" altLang="zh-CN"/>
-              <a:t>endpoint</a:t>
-            </a:r>
-            <a:r>
-              <a:rPr lang="en-US" altLang="zh-CN"/>
-              <a:t>: </a:t>
+              <a:t>endpoint: </a:t>
             </a:r>
             <a:r>
               <a:rPr lang="en-US" altLang="zh-CN" smtClean="0"/>
@@ -4194,11 +4183,7 @@
             </a:r>
             <a:r>
               <a:rPr lang="en-US" altLang="zh-CN"/>
-              <a:t>ref: </a:t>
-            </a:r>
-            <a:r>
-              <a:rPr lang="en-US" altLang="zh-CN"/>
-              <a:t>NettyRpcEndpointRef</a:t>
+              <a:t>ref: NettyRpcEndpointRef</a:t>
             </a:r>
             <a:r>
               <a:rPr lang="en-US" altLang="zh-CN" smtClean="0"/>
@@ -4227,11 +4212,7 @@
             </a:r>
             <a:r>
               <a:rPr lang="en-US" altLang="zh-CN"/>
-              <a:t>inbox = new Inbox(ref, </a:t>
-            </a:r>
-            <a:r>
-              <a:rPr lang="en-US" altLang="zh-CN"/>
-              <a:t>endpoint</a:t>
+              <a:t>inbox = new Inbox(ref, endpoint</a:t>
             </a:r>
             <a:r>
               <a:rPr lang="en-US" altLang="zh-CN" smtClean="0"/>
@@ -4282,11 +4263,7 @@
             </a:r>
             <a:r>
               <a:rPr lang="zh-CN" altLang="en-US"/>
-              <a:t>endpointRef: </a:t>
-            </a:r>
-            <a:r>
-              <a:rPr lang="zh-CN" altLang="en-US"/>
-              <a:t>NettyRpcEndpointRef</a:t>
+              <a:t>endpointRef: NettyRpcEndpointRef</a:t>
             </a:r>
             <a:r>
               <a:rPr lang="zh-CN" altLang="en-US" smtClean="0"/>
@@ -4333,6 +4310,146 @@
     <p:extLst>
       <p:ext uri="{BB962C8B-B14F-4D97-AF65-F5344CB8AC3E}">
         <p14:creationId xmlns:p14="http://schemas.microsoft.com/office/powerpoint/2010/main" val="195245178"/>
+      </p:ext>
+    </p:extLst>
+  </p:cSld>
+  <p:clrMapOvr>
+    <a:masterClrMapping/>
+  </p:clrMapOvr>
+</p:sld>
+</file>
+
+<file path=ppt/slides/slide4.xml><?xml version="1.0" encoding="utf-8"?>
+<p:sld xmlns:a="http://schemas.openxmlformats.org/drawingml/2006/main" xmlns:r="http://schemas.openxmlformats.org/officeDocument/2006/relationships" xmlns:p="http://schemas.openxmlformats.org/presentationml/2006/main">
+  <p:cSld>
+    <p:spTree>
+      <p:nvGrpSpPr>
+        <p:cNvPr id="1" name=""/>
+        <p:cNvGrpSpPr/>
+        <p:nvPr/>
+      </p:nvGrpSpPr>
+      <p:grpSpPr>
+        <a:xfrm>
+          <a:off x="0" y="0"/>
+          <a:ext cx="0" cy="0"/>
+          <a:chOff x="0" y="0"/>
+          <a:chExt cx="0" cy="0"/>
+        </a:xfrm>
+      </p:grpSpPr>
+      <p:sp>
+        <p:nvSpPr>
+          <p:cNvPr id="4" name="矩形 3"/>
+          <p:cNvSpPr/>
+          <p:nvPr/>
+        </p:nvSpPr>
+        <p:spPr>
+          <a:xfrm>
+            <a:off x="0" y="205042"/>
+            <a:ext cx="11900437" cy="369332"/>
+          </a:xfrm>
+          <a:prstGeom prst="rect">
+            <a:avLst/>
+          </a:prstGeom>
+        </p:spPr>
+        <p:txBody>
+          <a:bodyPr wrap="none">
+            <a:spAutoFit/>
+          </a:bodyPr>
+          <a:lstStyle/>
+          <a:p>
+            <a:r>
+              <a:rPr lang="zh-CN" altLang="en-US"/>
+              <a:t>org.apache.spark.network.server.TransportServer</a:t>
+            </a:r>
+            <a:r>
+              <a:rPr lang="zh-CN" altLang="en-US"/>
+              <a:t>#</a:t>
+            </a:r>
+            <a:r>
+              <a:rPr lang="zh-CN" altLang="en-US" smtClean="0"/>
+              <a:t>init方法中的</a:t>
+            </a:r>
+            <a:r>
+              <a:rPr lang="en-US" altLang="zh-CN"/>
+              <a:t>context.initializePipeline(ch, </a:t>
+            </a:r>
+            <a:r>
+              <a:rPr lang="en-US" altLang="zh-CN"/>
+              <a:t>rpcHandler</a:t>
+            </a:r>
+            <a:r>
+              <a:rPr lang="en-US" altLang="zh-CN" smtClean="0"/>
+              <a:t>);</a:t>
+            </a:r>
+            <a:r>
+              <a:rPr lang="zh-CN" altLang="en-US" smtClean="0"/>
+              <a:t>进行初始化</a:t>
+            </a:r>
+            <a:r>
+              <a:rPr lang="en-US" altLang="zh-CN" smtClean="0"/>
+              <a:t>Handler</a:t>
+            </a:r>
+            <a:endParaRPr lang="zh-CN" altLang="en-US"/>
+          </a:p>
+        </p:txBody>
+      </p:sp>
+      <p:sp>
+        <p:nvSpPr>
+          <p:cNvPr id="6" name="矩形 5"/>
+          <p:cNvSpPr/>
+          <p:nvPr/>
+        </p:nvSpPr>
+        <p:spPr>
+          <a:xfrm>
+            <a:off x="95794" y="650855"/>
+            <a:ext cx="12035246" cy="646331"/>
+          </a:xfrm>
+          <a:prstGeom prst="rect">
+            <a:avLst/>
+          </a:prstGeom>
+        </p:spPr>
+        <p:txBody>
+          <a:bodyPr wrap="square">
+            <a:spAutoFit/>
+          </a:bodyPr>
+          <a:lstStyle/>
+          <a:p>
+            <a:r>
+              <a:rPr lang="zh-CN" altLang="en-US"/>
+              <a:t>org.apache.spark.network.TransportContext#initializePipeline(io.netty.channel.socket.</a:t>
+            </a:r>
+            <a:r>
+              <a:rPr lang="zh-CN" altLang="en-US"/>
+              <a:t>SocketChannel</a:t>
+            </a:r>
+            <a:r>
+              <a:rPr lang="zh-CN" altLang="en-US" smtClean="0"/>
+              <a:t>,org</a:t>
+            </a:r>
+            <a:r>
+              <a:rPr lang="zh-CN" altLang="en-US"/>
+              <a:t>.apache.spark.network.server.</a:t>
+            </a:r>
+            <a:r>
+              <a:rPr lang="zh-CN" altLang="en-US"/>
+              <a:t>RpcHandler</a:t>
+            </a:r>
+            <a:r>
+              <a:rPr lang="zh-CN" altLang="en-US" smtClean="0"/>
+              <a:t>)中进行</a:t>
+            </a:r>
+            <a:r>
+              <a:rPr lang="en-US" altLang="zh-CN" smtClean="0"/>
+              <a:t>addLast Handler</a:t>
+            </a:r>
+            <a:endParaRPr lang="zh-CN" altLang="en-US"/>
+          </a:p>
+        </p:txBody>
+      </p:sp>
+    </p:spTree>
+    <p:extLst>
+      <p:ext uri="{BB962C8B-B14F-4D97-AF65-F5344CB8AC3E}">
+        <p14:creationId xmlns:p14="http://schemas.microsoft.com/office/powerpoint/2010/main" val="632789982"/>
       </p:ext>
     </p:extLst>
   </p:cSld>
